--- a/Presentaciones - Versiones Finales/TB03- GRUPO02.pptx
+++ b/Presentaciones - Versiones Finales/TB03- GRUPO02.pptx
@@ -124,6 +124,11 @@
       </a:defRPr>
     </a:lvl9pPr>
   </p:defaultTextStyle>
+  <p:extLst>
+    <p:ext uri="{EFAFB233-063F-42B5-8137-9DF3F51BA10A}">
+      <p15:sldGuideLst xmlns:p15="http://schemas.microsoft.com/office/powerpoint/2012/main"/>
+    </p:ext>
+  </p:extLst>
 </p:presentation>
 </file>
 
@@ -5902,7 +5907,7 @@
             </a:br>
             <a:r>
               <a:rPr lang="es-PE" sz="7200" dirty="0" smtClean="0"/>
-              <a:t>TB-02</a:t>
+              <a:t>TB-03</a:t>
             </a:r>
             <a:endParaRPr lang="es-MX" sz="7200" dirty="0"/>
           </a:p>
